--- a/수업교제/2학기/파이썬 기초02.pptx
+++ b/수업교제/2학기/파이썬 기초02.pptx
@@ -26,6 +26,7 @@
     <p:sldId id="271" r:id="rId20"/>
     <p:sldId id="274" r:id="rId21"/>
     <p:sldId id="276" r:id="rId22"/>
+    <p:sldId id="277" r:id="rId23"/>
   </p:sldIdLst>
   <p:sldSz cx="12192000" cy="6858000"/>
   <p:notesSz cx="6858000" cy="9144000"/>
@@ -302,7 +303,7 @@
             <a:fld id="{87DE6118-2437-4B30-8E3C-4D2BE6020583}" type="datetimeFigureOut">
               <a:rPr lang="en-US" dirty="0"/>
               <a:pPr/>
-              <a:t>8/29/2024</a:t>
+              <a:t>8/30/2024</a:t>
             </a:fld>
             <a:endParaRPr lang="en-US" dirty="0"/>
           </a:p>
@@ -628,7 +629,7 @@
           <a:p>
             <a:fld id="{87DE6118-2437-4B30-8E3C-4D2BE6020583}" type="datetimeFigureOut">
               <a:rPr lang="en-US" dirty="0"/>
-              <a:t>8/29/2024</a:t>
+              <a:t>8/30/2024</a:t>
             </a:fld>
             <a:endParaRPr lang="en-US" dirty="0"/>
           </a:p>
@@ -803,7 +804,7 @@
           <a:p>
             <a:fld id="{87DE6118-2437-4B30-8E3C-4D2BE6020583}" type="datetimeFigureOut">
               <a:rPr lang="en-US" dirty="0"/>
-              <a:t>8/29/2024</a:t>
+              <a:t>8/30/2024</a:t>
             </a:fld>
             <a:endParaRPr lang="en-US" dirty="0"/>
           </a:p>
@@ -968,7 +969,7 @@
           <a:p>
             <a:fld id="{87DE6118-2437-4B30-8E3C-4D2BE6020583}" type="datetimeFigureOut">
               <a:rPr lang="en-US" dirty="0"/>
-              <a:t>8/29/2024</a:t>
+              <a:t>8/30/2024</a:t>
             </a:fld>
             <a:endParaRPr lang="en-US" dirty="0"/>
           </a:p>
@@ -1241,7 +1242,7 @@
             <a:fld id="{87DE6118-2437-4B30-8E3C-4D2BE6020583}" type="datetimeFigureOut">
               <a:rPr lang="en-US" dirty="0"/>
               <a:pPr/>
-              <a:t>8/29/2024</a:t>
+              <a:t>8/30/2024</a:t>
             </a:fld>
             <a:endParaRPr lang="en-US" dirty="0"/>
           </a:p>
@@ -1631,7 +1632,7 @@
           <a:p>
             <a:fld id="{87DE6118-2437-4B30-8E3C-4D2BE6020583}" type="datetimeFigureOut">
               <a:rPr lang="en-US" dirty="0"/>
-              <a:t>8/29/2024</a:t>
+              <a:t>8/30/2024</a:t>
             </a:fld>
             <a:endParaRPr lang="en-US" dirty="0"/>
           </a:p>
@@ -2103,7 +2104,7 @@
           <a:p>
             <a:fld id="{87DE6118-2437-4B30-8E3C-4D2BE6020583}" type="datetimeFigureOut">
               <a:rPr lang="en-US" dirty="0"/>
-              <a:t>8/29/2024</a:t>
+              <a:t>8/30/2024</a:t>
             </a:fld>
             <a:endParaRPr lang="en-US" dirty="0"/>
           </a:p>
@@ -2216,7 +2217,7 @@
           <a:p>
             <a:fld id="{87DE6118-2437-4B30-8E3C-4D2BE6020583}" type="datetimeFigureOut">
               <a:rPr lang="en-US" dirty="0"/>
-              <a:t>8/29/2024</a:t>
+              <a:t>8/30/2024</a:t>
             </a:fld>
             <a:endParaRPr lang="en-US" dirty="0"/>
           </a:p>
@@ -2306,7 +2307,7 @@
           <a:p>
             <a:fld id="{87DE6118-2437-4B30-8E3C-4D2BE6020583}" type="datetimeFigureOut">
               <a:rPr lang="en-US" dirty="0"/>
-              <a:t>8/29/2024</a:t>
+              <a:t>8/30/2024</a:t>
             </a:fld>
             <a:endParaRPr lang="en-US" dirty="0"/>
           </a:p>
@@ -2648,7 +2649,7 @@
             <a:fld id="{87DE6118-2437-4B30-8E3C-4D2BE6020583}" type="datetimeFigureOut">
               <a:rPr lang="en-US" dirty="0"/>
               <a:pPr/>
-              <a:t>8/29/2024</a:t>
+              <a:t>8/30/2024</a:t>
             </a:fld>
             <a:endParaRPr lang="en-US" dirty="0"/>
           </a:p>
@@ -3033,7 +3034,7 @@
             <a:fld id="{87DE6118-2437-4B30-8E3C-4D2BE6020583}" type="datetimeFigureOut">
               <a:rPr lang="en-US" dirty="0"/>
               <a:pPr/>
-              <a:t>8/29/2024</a:t>
+              <a:t>8/30/2024</a:t>
             </a:fld>
             <a:endParaRPr lang="en-US" dirty="0"/>
           </a:p>
@@ -3308,7 +3309,7 @@
             <a:fld id="{87DE6118-2437-4B30-8E3C-4D2BE6020583}" type="datetimeFigureOut">
               <a:rPr lang="en-US" dirty="0"/>
               <a:pPr/>
-              <a:t>8/29/2024</a:t>
+              <a:t>8/30/2024</a:t>
             </a:fld>
             <a:endParaRPr lang="en-US" dirty="0"/>
           </a:p>
@@ -3904,7 +3905,7 @@
         <p:push/>
       </p:transition>
     </mc:Choice>
-    <mc:Fallback xmlns:dsp="http://schemas.microsoft.com/office/drawing/2008/diagram" xmlns:dgm="http://schemas.openxmlformats.org/drawingml/2006/diagram" xmlns:c="http://schemas.openxmlformats.org/drawingml/2006/chart" xmlns="">
+    <mc:Fallback xmlns="" xmlns:c="http://schemas.openxmlformats.org/drawingml/2006/chart" xmlns:dgm="http://schemas.openxmlformats.org/drawingml/2006/diagram" xmlns:dsp="http://schemas.microsoft.com/office/drawing/2008/diagram">
       <p:transition xmlns:mc="http://schemas.openxmlformats.org/markup-compatibility/2006" xmlns:hp="http://schemas.haansoft.com/office/presentation/8.0" spd="med" mc:Ignorable="hp" hp:hslDur="1000">
         <p:fade/>
       </p:transition>
@@ -11334,6 +11335,594 @@
     <p:extLst>
       <p:ext uri="{BB962C8B-B14F-4D97-AF65-F5344CB8AC3E}">
         <p14:creationId xmlns:p14="http://schemas.microsoft.com/office/powerpoint/2010/main" val="3395344283"/>
+      </p:ext>
+    </p:extLst>
+  </p:cSld>
+  <p:clrMapOvr>
+    <a:masterClrMapping/>
+  </p:clrMapOvr>
+</p:sld>
+</file>
+
+<file path=ppt/slides/slide22.xml><?xml version="1.0" encoding="utf-8"?>
+<p:sld xmlns:a="http://schemas.openxmlformats.org/drawingml/2006/main" xmlns:r="http://schemas.openxmlformats.org/officeDocument/2006/relationships" xmlns:p="http://schemas.openxmlformats.org/presentationml/2006/main">
+  <p:cSld>
+    <p:spTree>
+      <p:nvGrpSpPr>
+        <p:cNvPr id="1" name=""/>
+        <p:cNvGrpSpPr/>
+        <p:nvPr/>
+      </p:nvGrpSpPr>
+      <p:grpSpPr>
+        <a:xfrm>
+          <a:off x="0" y="0"/>
+          <a:ext cx="0" cy="0"/>
+          <a:chOff x="0" y="0"/>
+          <a:chExt cx="0" cy="0"/>
+        </a:xfrm>
+      </p:grpSpPr>
+      <p:sp>
+        <p:nvSpPr>
+          <p:cNvPr id="2" name="제목 1">
+            <a:extLst>
+              <a:ext uri="{FF2B5EF4-FFF2-40B4-BE49-F238E27FC236}">
+                <a16:creationId xmlns:a16="http://schemas.microsoft.com/office/drawing/2014/main" id="{ADC74A7E-09BA-8763-E5B9-EB7F413C01B1}"/>
+              </a:ext>
+            </a:extLst>
+          </p:cNvPr>
+          <p:cNvSpPr>
+            <a:spLocks noGrp="1"/>
+          </p:cNvSpPr>
+          <p:nvPr>
+            <p:ph type="title"/>
+          </p:nvPr>
+        </p:nvSpPr>
+        <p:spPr>
+          <a:xfrm>
+            <a:off x="1371599" y="685800"/>
+            <a:ext cx="4433977" cy="754811"/>
+          </a:xfrm>
+        </p:spPr>
+        <p:txBody>
+          <a:bodyPr>
+            <a:normAutofit/>
+          </a:bodyPr>
+          <a:lstStyle/>
+          <a:p>
+            <a:pPr algn="l"/>
+            <a:r>
+              <a:rPr lang="ko-KR" altLang="en-US" b="1" i="0" dirty="0">
+                <a:solidFill>
+                  <a:srgbClr val="212529"/>
+                </a:solidFill>
+                <a:effectLst/>
+                <a:latin typeface="+mj-ea"/>
+              </a:rPr>
+              <a:t>실습</a:t>
+            </a:r>
+          </a:p>
+        </p:txBody>
+      </p:sp>
+      <p:sp>
+        <p:nvSpPr>
+          <p:cNvPr id="7" name="TextBox 6">
+            <a:extLst>
+              <a:ext uri="{FF2B5EF4-FFF2-40B4-BE49-F238E27FC236}">
+                <a16:creationId xmlns:a16="http://schemas.microsoft.com/office/drawing/2014/main" id="{E19C9EEB-EF73-6918-4842-CD1488D7610B}"/>
+              </a:ext>
+            </a:extLst>
+          </p:cNvPr>
+          <p:cNvSpPr txBox="1"/>
+          <p:nvPr/>
+        </p:nvSpPr>
+        <p:spPr>
+          <a:xfrm>
+            <a:off x="4813890" y="2829665"/>
+            <a:ext cx="3160528" cy="369332"/>
+          </a:xfrm>
+          <a:prstGeom prst="rect">
+            <a:avLst/>
+          </a:prstGeom>
+          <a:noFill/>
+        </p:spPr>
+        <p:txBody>
+          <a:bodyPr wrap="square">
+            <a:spAutoFit/>
+          </a:bodyPr>
+          <a:lstStyle/>
+          <a:p>
+            <a:r>
+              <a:rPr lang="ko-KR" altLang="en-US" dirty="0">
+                <a:hlinkClick r:id="rId2"/>
+              </a:rPr>
+              <a:t>백준 알고리즘 테스트</a:t>
+            </a:r>
+            <a:endParaRPr lang="ko-KR" altLang="en-US" dirty="0"/>
+          </a:p>
+        </p:txBody>
+      </p:sp>
+      <p:sp>
+        <p:nvSpPr>
+          <p:cNvPr id="8" name="Rectangle 2">
+            <a:extLst>
+              <a:ext uri="{FF2B5EF4-FFF2-40B4-BE49-F238E27FC236}">
+                <a16:creationId xmlns:a16="http://schemas.microsoft.com/office/drawing/2014/main" id="{D28DFAA1-D048-39BA-976B-4AA55BCF9499}"/>
+              </a:ext>
+            </a:extLst>
+          </p:cNvPr>
+          <p:cNvSpPr>
+            <a:spLocks noChangeArrowheads="1"/>
+          </p:cNvSpPr>
+          <p:nvPr/>
+        </p:nvSpPr>
+        <p:spPr bwMode="auto">
+          <a:xfrm>
+            <a:off x="2694335" y="2278416"/>
+            <a:ext cx="6779273" cy="400110"/>
+          </a:xfrm>
+          <a:prstGeom prst="rect">
+            <a:avLst/>
+          </a:prstGeom>
+          <a:noFill/>
+          <a:ln>
+            <a:noFill/>
+          </a:ln>
+          <a:effectLst/>
+          <a:extLst>
+            <a:ext uri="{909E8E84-426E-40DD-AFC4-6F175D3DCCD1}">
+              <a14:hiddenFill xmlns:a14="http://schemas.microsoft.com/office/drawing/2010/main">
+                <a:solidFill>
+                  <a:schemeClr val="accent1"/>
+                </a:solidFill>
+              </a14:hiddenFill>
+            </a:ext>
+            <a:ext uri="{91240B29-F687-4F45-9708-019B960494DF}">
+              <a14:hiddenLine xmlns:a14="http://schemas.microsoft.com/office/drawing/2010/main" w="9525">
+                <a:solidFill>
+                  <a:schemeClr val="tx1"/>
+                </a:solidFill>
+                <a:miter lim="800000"/>
+                <a:headEnd/>
+                <a:tailEnd/>
+              </a14:hiddenLine>
+            </a:ext>
+            <a:ext uri="{AF507438-7753-43E0-B8FC-AC1667EBCBE1}">
+              <a14:hiddenEffects xmlns:a14="http://schemas.microsoft.com/office/drawing/2010/main">
+                <a:effectLst>
+                  <a:outerShdw dist="35921" dir="2700000" algn="ctr" rotWithShape="0">
+                    <a:schemeClr val="bg2"/>
+                  </a:outerShdw>
+                </a:effectLst>
+              </a14:hiddenEffects>
+            </a:ext>
+          </a:extLst>
+        </p:spPr>
+        <p:txBody>
+          <a:bodyPr vert="horz" wrap="square" lIns="91440" tIns="45720" rIns="91440" bIns="45720" numCol="1" anchor="ctr" anchorCtr="0" compatLnSpc="1">
+            <a:prstTxWarp prst="textNoShape">
+              <a:avLst/>
+            </a:prstTxWarp>
+            <a:spAutoFit/>
+          </a:bodyPr>
+          <a:lstStyle>
+            <a:lvl1pPr eaLnBrk="0" fontAlgn="base" hangingPunct="0">
+              <a:spcBef>
+                <a:spcPct val="0"/>
+              </a:spcBef>
+              <a:spcAft>
+                <a:spcPct val="0"/>
+              </a:spcAft>
+              <a:defRPr>
+                <a:solidFill>
+                  <a:schemeClr val="tx1"/>
+                </a:solidFill>
+                <a:latin typeface="Arial" panose="020B0604020202020204" pitchFamily="34" charset="0"/>
+              </a:defRPr>
+            </a:lvl1pPr>
+            <a:lvl2pPr eaLnBrk="0" fontAlgn="base" hangingPunct="0">
+              <a:spcBef>
+                <a:spcPct val="0"/>
+              </a:spcBef>
+              <a:spcAft>
+                <a:spcPct val="0"/>
+              </a:spcAft>
+              <a:defRPr>
+                <a:solidFill>
+                  <a:schemeClr val="tx1"/>
+                </a:solidFill>
+                <a:latin typeface="Arial" panose="020B0604020202020204" pitchFamily="34" charset="0"/>
+              </a:defRPr>
+            </a:lvl2pPr>
+            <a:lvl3pPr eaLnBrk="0" fontAlgn="base" hangingPunct="0">
+              <a:spcBef>
+                <a:spcPct val="0"/>
+              </a:spcBef>
+              <a:spcAft>
+                <a:spcPct val="0"/>
+              </a:spcAft>
+              <a:defRPr>
+                <a:solidFill>
+                  <a:schemeClr val="tx1"/>
+                </a:solidFill>
+                <a:latin typeface="Arial" panose="020B0604020202020204" pitchFamily="34" charset="0"/>
+              </a:defRPr>
+            </a:lvl3pPr>
+            <a:lvl4pPr eaLnBrk="0" fontAlgn="base" hangingPunct="0">
+              <a:spcBef>
+                <a:spcPct val="0"/>
+              </a:spcBef>
+              <a:spcAft>
+                <a:spcPct val="0"/>
+              </a:spcAft>
+              <a:defRPr>
+                <a:solidFill>
+                  <a:schemeClr val="tx1"/>
+                </a:solidFill>
+                <a:latin typeface="Arial" panose="020B0604020202020204" pitchFamily="34" charset="0"/>
+              </a:defRPr>
+            </a:lvl4pPr>
+            <a:lvl5pPr eaLnBrk="0" fontAlgn="base" hangingPunct="0">
+              <a:spcBef>
+                <a:spcPct val="0"/>
+              </a:spcBef>
+              <a:spcAft>
+                <a:spcPct val="0"/>
+              </a:spcAft>
+              <a:defRPr>
+                <a:solidFill>
+                  <a:schemeClr val="tx1"/>
+                </a:solidFill>
+                <a:latin typeface="Arial" panose="020B0604020202020204" pitchFamily="34" charset="0"/>
+              </a:defRPr>
+            </a:lvl5pPr>
+            <a:lvl6pPr eaLnBrk="0" fontAlgn="base" hangingPunct="0">
+              <a:spcBef>
+                <a:spcPct val="0"/>
+              </a:spcBef>
+              <a:spcAft>
+                <a:spcPct val="0"/>
+              </a:spcAft>
+              <a:defRPr>
+                <a:solidFill>
+                  <a:schemeClr val="tx1"/>
+                </a:solidFill>
+                <a:latin typeface="Arial" panose="020B0604020202020204" pitchFamily="34" charset="0"/>
+              </a:defRPr>
+            </a:lvl6pPr>
+            <a:lvl7pPr eaLnBrk="0" fontAlgn="base" hangingPunct="0">
+              <a:spcBef>
+                <a:spcPct val="0"/>
+              </a:spcBef>
+              <a:spcAft>
+                <a:spcPct val="0"/>
+              </a:spcAft>
+              <a:defRPr>
+                <a:solidFill>
+                  <a:schemeClr val="tx1"/>
+                </a:solidFill>
+                <a:latin typeface="Arial" panose="020B0604020202020204" pitchFamily="34" charset="0"/>
+              </a:defRPr>
+            </a:lvl7pPr>
+            <a:lvl8pPr eaLnBrk="0" fontAlgn="base" hangingPunct="0">
+              <a:spcBef>
+                <a:spcPct val="0"/>
+              </a:spcBef>
+              <a:spcAft>
+                <a:spcPct val="0"/>
+              </a:spcAft>
+              <a:defRPr>
+                <a:solidFill>
+                  <a:schemeClr val="tx1"/>
+                </a:solidFill>
+                <a:latin typeface="Arial" panose="020B0604020202020204" pitchFamily="34" charset="0"/>
+              </a:defRPr>
+            </a:lvl8pPr>
+            <a:lvl9pPr eaLnBrk="0" fontAlgn="base" hangingPunct="0">
+              <a:spcBef>
+                <a:spcPct val="0"/>
+              </a:spcBef>
+              <a:spcAft>
+                <a:spcPct val="0"/>
+              </a:spcAft>
+              <a:defRPr>
+                <a:solidFill>
+                  <a:schemeClr val="tx1"/>
+                </a:solidFill>
+                <a:latin typeface="Arial" panose="020B0604020202020204" pitchFamily="34" charset="0"/>
+              </a:defRPr>
+            </a:lvl9pPr>
+          </a:lstStyle>
+          <a:p>
+            <a:pPr marL="0" marR="0" lvl="0" indent="0" algn="l" defTabSz="914400" rtl="0" eaLnBrk="0" fontAlgn="base" latinLnBrk="0" hangingPunct="0">
+              <a:lnSpc>
+                <a:spcPct val="100000"/>
+              </a:lnSpc>
+              <a:spcBef>
+                <a:spcPct val="0"/>
+              </a:spcBef>
+              <a:spcAft>
+                <a:spcPct val="0"/>
+              </a:spcAft>
+              <a:buClrTx/>
+              <a:buSzTx/>
+              <a:buFontTx/>
+              <a:buNone/>
+              <a:tabLst/>
+            </a:pPr>
+            <a:r>
+              <a:rPr lang="ko-KR" altLang="en-US" sz="2000" dirty="0">
+                <a:solidFill>
+                  <a:srgbClr val="212529"/>
+                </a:solidFill>
+                <a:latin typeface="+mn-ea"/>
+              </a:rPr>
+              <a:t>아래 백준 사이트에 접속하여 문제들을 순차적으로 </a:t>
+            </a:r>
+            <a:r>
+              <a:rPr lang="ko-KR" altLang="en-US" sz="2000" dirty="0" err="1">
+                <a:solidFill>
+                  <a:srgbClr val="212529"/>
+                </a:solidFill>
+                <a:latin typeface="+mn-ea"/>
+              </a:rPr>
+              <a:t>풀것</a:t>
+            </a:r>
+            <a:r>
+              <a:rPr lang="en-US" altLang="ko-KR" sz="2000" dirty="0">
+                <a:solidFill>
+                  <a:srgbClr val="212529"/>
+                </a:solidFill>
+                <a:latin typeface="+mn-ea"/>
+              </a:rPr>
+              <a:t>.</a:t>
+            </a:r>
+            <a:endParaRPr kumimoji="0" lang="ko-KR" altLang="ko-KR" sz="2000" b="0" i="0" u="none" strike="noStrike" cap="none" normalizeH="0" baseline="0" dirty="0">
+              <a:ln>
+                <a:noFill/>
+              </a:ln>
+              <a:solidFill>
+                <a:schemeClr val="tx1"/>
+              </a:solidFill>
+              <a:effectLst/>
+              <a:latin typeface="+mn-ea"/>
+            </a:endParaRPr>
+          </a:p>
+        </p:txBody>
+      </p:sp>
+      <p:sp>
+        <p:nvSpPr>
+          <p:cNvPr id="9" name="Rectangle 2">
+            <a:extLst>
+              <a:ext uri="{FF2B5EF4-FFF2-40B4-BE49-F238E27FC236}">
+                <a16:creationId xmlns:a16="http://schemas.microsoft.com/office/drawing/2014/main" id="{69117BDF-8982-D93B-7938-F9E08CA5F7FD}"/>
+              </a:ext>
+            </a:extLst>
+          </p:cNvPr>
+          <p:cNvSpPr>
+            <a:spLocks noChangeArrowheads="1"/>
+          </p:cNvSpPr>
+          <p:nvPr/>
+        </p:nvSpPr>
+        <p:spPr bwMode="auto">
+          <a:xfrm>
+            <a:off x="4258717" y="2798887"/>
+            <a:ext cx="555173" cy="400110"/>
+          </a:xfrm>
+          <a:prstGeom prst="rect">
+            <a:avLst/>
+          </a:prstGeom>
+          <a:noFill/>
+          <a:ln>
+            <a:noFill/>
+          </a:ln>
+          <a:effectLst/>
+          <a:extLst>
+            <a:ext uri="{909E8E84-426E-40DD-AFC4-6F175D3DCCD1}">
+              <a14:hiddenFill xmlns:a14="http://schemas.microsoft.com/office/drawing/2010/main">
+                <a:solidFill>
+                  <a:schemeClr val="accent1"/>
+                </a:solidFill>
+              </a14:hiddenFill>
+            </a:ext>
+            <a:ext uri="{91240B29-F687-4F45-9708-019B960494DF}">
+              <a14:hiddenLine xmlns:a14="http://schemas.microsoft.com/office/drawing/2010/main" w="9525">
+                <a:solidFill>
+                  <a:schemeClr val="tx1"/>
+                </a:solidFill>
+                <a:miter lim="800000"/>
+                <a:headEnd/>
+                <a:tailEnd/>
+              </a14:hiddenLine>
+            </a:ext>
+            <a:ext uri="{AF507438-7753-43E0-B8FC-AC1667EBCBE1}">
+              <a14:hiddenEffects xmlns:a14="http://schemas.microsoft.com/office/drawing/2010/main">
+                <a:effectLst>
+                  <a:outerShdw dist="35921" dir="2700000" algn="ctr" rotWithShape="0">
+                    <a:schemeClr val="bg2"/>
+                  </a:outerShdw>
+                </a:effectLst>
+              </a14:hiddenEffects>
+            </a:ext>
+          </a:extLst>
+        </p:spPr>
+        <p:txBody>
+          <a:bodyPr vert="horz" wrap="square" lIns="91440" tIns="45720" rIns="91440" bIns="45720" numCol="1" anchor="ctr" anchorCtr="0" compatLnSpc="1">
+            <a:prstTxWarp prst="textNoShape">
+              <a:avLst/>
+            </a:prstTxWarp>
+            <a:spAutoFit/>
+          </a:bodyPr>
+          <a:lstStyle>
+            <a:lvl1pPr eaLnBrk="0" fontAlgn="base" hangingPunct="0">
+              <a:spcBef>
+                <a:spcPct val="0"/>
+              </a:spcBef>
+              <a:spcAft>
+                <a:spcPct val="0"/>
+              </a:spcAft>
+              <a:defRPr>
+                <a:solidFill>
+                  <a:schemeClr val="tx1"/>
+                </a:solidFill>
+                <a:latin typeface="Arial" panose="020B0604020202020204" pitchFamily="34" charset="0"/>
+              </a:defRPr>
+            </a:lvl1pPr>
+            <a:lvl2pPr eaLnBrk="0" fontAlgn="base" hangingPunct="0">
+              <a:spcBef>
+                <a:spcPct val="0"/>
+              </a:spcBef>
+              <a:spcAft>
+                <a:spcPct val="0"/>
+              </a:spcAft>
+              <a:defRPr>
+                <a:solidFill>
+                  <a:schemeClr val="tx1"/>
+                </a:solidFill>
+                <a:latin typeface="Arial" panose="020B0604020202020204" pitchFamily="34" charset="0"/>
+              </a:defRPr>
+            </a:lvl2pPr>
+            <a:lvl3pPr eaLnBrk="0" fontAlgn="base" hangingPunct="0">
+              <a:spcBef>
+                <a:spcPct val="0"/>
+              </a:spcBef>
+              <a:spcAft>
+                <a:spcPct val="0"/>
+              </a:spcAft>
+              <a:defRPr>
+                <a:solidFill>
+                  <a:schemeClr val="tx1"/>
+                </a:solidFill>
+                <a:latin typeface="Arial" panose="020B0604020202020204" pitchFamily="34" charset="0"/>
+              </a:defRPr>
+            </a:lvl3pPr>
+            <a:lvl4pPr eaLnBrk="0" fontAlgn="base" hangingPunct="0">
+              <a:spcBef>
+                <a:spcPct val="0"/>
+              </a:spcBef>
+              <a:spcAft>
+                <a:spcPct val="0"/>
+              </a:spcAft>
+              <a:defRPr>
+                <a:solidFill>
+                  <a:schemeClr val="tx1"/>
+                </a:solidFill>
+                <a:latin typeface="Arial" panose="020B0604020202020204" pitchFamily="34" charset="0"/>
+              </a:defRPr>
+            </a:lvl4pPr>
+            <a:lvl5pPr eaLnBrk="0" fontAlgn="base" hangingPunct="0">
+              <a:spcBef>
+                <a:spcPct val="0"/>
+              </a:spcBef>
+              <a:spcAft>
+                <a:spcPct val="0"/>
+              </a:spcAft>
+              <a:defRPr>
+                <a:solidFill>
+                  <a:schemeClr val="tx1"/>
+                </a:solidFill>
+                <a:latin typeface="Arial" panose="020B0604020202020204" pitchFamily="34" charset="0"/>
+              </a:defRPr>
+            </a:lvl5pPr>
+            <a:lvl6pPr eaLnBrk="0" fontAlgn="base" hangingPunct="0">
+              <a:spcBef>
+                <a:spcPct val="0"/>
+              </a:spcBef>
+              <a:spcAft>
+                <a:spcPct val="0"/>
+              </a:spcAft>
+              <a:defRPr>
+                <a:solidFill>
+                  <a:schemeClr val="tx1"/>
+                </a:solidFill>
+                <a:latin typeface="Arial" panose="020B0604020202020204" pitchFamily="34" charset="0"/>
+              </a:defRPr>
+            </a:lvl6pPr>
+            <a:lvl7pPr eaLnBrk="0" fontAlgn="base" hangingPunct="0">
+              <a:spcBef>
+                <a:spcPct val="0"/>
+              </a:spcBef>
+              <a:spcAft>
+                <a:spcPct val="0"/>
+              </a:spcAft>
+              <a:defRPr>
+                <a:solidFill>
+                  <a:schemeClr val="tx1"/>
+                </a:solidFill>
+                <a:latin typeface="Arial" panose="020B0604020202020204" pitchFamily="34" charset="0"/>
+              </a:defRPr>
+            </a:lvl7pPr>
+            <a:lvl8pPr eaLnBrk="0" fontAlgn="base" hangingPunct="0">
+              <a:spcBef>
+                <a:spcPct val="0"/>
+              </a:spcBef>
+              <a:spcAft>
+                <a:spcPct val="0"/>
+              </a:spcAft>
+              <a:defRPr>
+                <a:solidFill>
+                  <a:schemeClr val="tx1"/>
+                </a:solidFill>
+                <a:latin typeface="Arial" panose="020B0604020202020204" pitchFamily="34" charset="0"/>
+              </a:defRPr>
+            </a:lvl8pPr>
+            <a:lvl9pPr eaLnBrk="0" fontAlgn="base" hangingPunct="0">
+              <a:spcBef>
+                <a:spcPct val="0"/>
+              </a:spcBef>
+              <a:spcAft>
+                <a:spcPct val="0"/>
+              </a:spcAft>
+              <a:defRPr>
+                <a:solidFill>
+                  <a:schemeClr val="tx1"/>
+                </a:solidFill>
+                <a:latin typeface="Arial" panose="020B0604020202020204" pitchFamily="34" charset="0"/>
+              </a:defRPr>
+            </a:lvl9pPr>
+          </a:lstStyle>
+          <a:p>
+            <a:pPr marL="0" marR="0" lvl="0" indent="0" algn="l" defTabSz="914400" rtl="0" eaLnBrk="0" fontAlgn="base" latinLnBrk="0" hangingPunct="0">
+              <a:lnSpc>
+                <a:spcPct val="100000"/>
+              </a:lnSpc>
+              <a:spcBef>
+                <a:spcPct val="0"/>
+              </a:spcBef>
+              <a:spcAft>
+                <a:spcPct val="0"/>
+              </a:spcAft>
+              <a:buClrTx/>
+              <a:buSzTx/>
+              <a:buFontTx/>
+              <a:buNone/>
+              <a:tabLst/>
+            </a:pPr>
+            <a:r>
+              <a:rPr lang="en-US" altLang="ko-KR" sz="2000" dirty="0">
+                <a:solidFill>
+                  <a:srgbClr val="212529"/>
+                </a:solidFill>
+                <a:latin typeface="+mn-ea"/>
+              </a:rPr>
+              <a:t>-&gt;</a:t>
+            </a:r>
+            <a:endParaRPr kumimoji="0" lang="ko-KR" altLang="ko-KR" sz="2000" b="0" i="0" u="none" strike="noStrike" cap="none" normalizeH="0" baseline="0" dirty="0">
+              <a:ln>
+                <a:noFill/>
+              </a:ln>
+              <a:solidFill>
+                <a:schemeClr val="tx1"/>
+              </a:solidFill>
+              <a:effectLst/>
+              <a:latin typeface="+mn-ea"/>
+            </a:endParaRPr>
+          </a:p>
+        </p:txBody>
+      </p:sp>
+    </p:spTree>
+    <p:extLst>
+      <p:ext uri="{BB962C8B-B14F-4D97-AF65-F5344CB8AC3E}">
+        <p14:creationId xmlns:p14="http://schemas.microsoft.com/office/powerpoint/2010/main" val="219122407"/>
       </p:ext>
     </p:extLst>
   </p:cSld>
